--- a/produção/ViasProdução/GliconeogeneseBanco.pptx
+++ b/produção/ViasProdução/GliconeogeneseBanco.pptx
@@ -209,7 +209,7 @@
           <a:p>
             <a:fld id="{BC22BA17-C28E-4911-BBDC-D2A8B3F9E6D3}" type="datetimeFigureOut">
               <a:rPr lang="pt-BR" smtClean="0"/>
-              <a:t>05/11/2023</a:t>
+              <a:t>08/11/2023</a:t>
             </a:fld>
             <a:endParaRPr lang="pt-BR"/>
           </a:p>
@@ -623,7 +623,7 @@
           <a:p>
             <a:fld id="{E3BCEED8-149E-406E-B91A-7F4F3B181D0A}" type="datetimeFigureOut">
               <a:rPr lang="pt-BR" smtClean="0"/>
-              <a:t>05/11/2023</a:t>
+              <a:t>08/11/2023</a:t>
             </a:fld>
             <a:endParaRPr lang="pt-BR"/>
           </a:p>
@@ -821,7 +821,7 @@
           <a:p>
             <a:fld id="{E3BCEED8-149E-406E-B91A-7F4F3B181D0A}" type="datetimeFigureOut">
               <a:rPr lang="pt-BR" smtClean="0"/>
-              <a:t>05/11/2023</a:t>
+              <a:t>08/11/2023</a:t>
             </a:fld>
             <a:endParaRPr lang="pt-BR"/>
           </a:p>
@@ -1029,7 +1029,7 @@
           <a:p>
             <a:fld id="{E3BCEED8-149E-406E-B91A-7F4F3B181D0A}" type="datetimeFigureOut">
               <a:rPr lang="pt-BR" smtClean="0"/>
-              <a:t>05/11/2023</a:t>
+              <a:t>08/11/2023</a:t>
             </a:fld>
             <a:endParaRPr lang="pt-BR"/>
           </a:p>
@@ -1227,7 +1227,7 @@
           <a:p>
             <a:fld id="{E3BCEED8-149E-406E-B91A-7F4F3B181D0A}" type="datetimeFigureOut">
               <a:rPr lang="pt-BR" smtClean="0"/>
-              <a:t>05/11/2023</a:t>
+              <a:t>08/11/2023</a:t>
             </a:fld>
             <a:endParaRPr lang="pt-BR"/>
           </a:p>
@@ -1502,7 +1502,7 @@
           <a:p>
             <a:fld id="{E3BCEED8-149E-406E-B91A-7F4F3B181D0A}" type="datetimeFigureOut">
               <a:rPr lang="pt-BR" smtClean="0"/>
-              <a:t>05/11/2023</a:t>
+              <a:t>08/11/2023</a:t>
             </a:fld>
             <a:endParaRPr lang="pt-BR"/>
           </a:p>
@@ -1767,7 +1767,7 @@
           <a:p>
             <a:fld id="{E3BCEED8-149E-406E-B91A-7F4F3B181D0A}" type="datetimeFigureOut">
               <a:rPr lang="pt-BR" smtClean="0"/>
-              <a:t>05/11/2023</a:t>
+              <a:t>08/11/2023</a:t>
             </a:fld>
             <a:endParaRPr lang="pt-BR"/>
           </a:p>
@@ -2179,7 +2179,7 @@
           <a:p>
             <a:fld id="{E3BCEED8-149E-406E-B91A-7F4F3B181D0A}" type="datetimeFigureOut">
               <a:rPr lang="pt-BR" smtClean="0"/>
-              <a:t>05/11/2023</a:t>
+              <a:t>08/11/2023</a:t>
             </a:fld>
             <a:endParaRPr lang="pt-BR"/>
           </a:p>
@@ -2320,7 +2320,7 @@
           <a:p>
             <a:fld id="{E3BCEED8-149E-406E-B91A-7F4F3B181D0A}" type="datetimeFigureOut">
               <a:rPr lang="pt-BR" smtClean="0"/>
-              <a:t>05/11/2023</a:t>
+              <a:t>08/11/2023</a:t>
             </a:fld>
             <a:endParaRPr lang="pt-BR"/>
           </a:p>
@@ -2433,7 +2433,7 @@
           <a:p>
             <a:fld id="{E3BCEED8-149E-406E-B91A-7F4F3B181D0A}" type="datetimeFigureOut">
               <a:rPr lang="pt-BR" smtClean="0"/>
-              <a:t>05/11/2023</a:t>
+              <a:t>08/11/2023</a:t>
             </a:fld>
             <a:endParaRPr lang="pt-BR"/>
           </a:p>
@@ -2744,7 +2744,7 @@
           <a:p>
             <a:fld id="{E3BCEED8-149E-406E-B91A-7F4F3B181D0A}" type="datetimeFigureOut">
               <a:rPr lang="pt-BR" smtClean="0"/>
-              <a:t>05/11/2023</a:t>
+              <a:t>08/11/2023</a:t>
             </a:fld>
             <a:endParaRPr lang="pt-BR"/>
           </a:p>
@@ -3032,7 +3032,7 @@
           <a:p>
             <a:fld id="{E3BCEED8-149E-406E-B91A-7F4F3B181D0A}" type="datetimeFigureOut">
               <a:rPr lang="pt-BR" smtClean="0"/>
-              <a:t>05/11/2023</a:t>
+              <a:t>08/11/2023</a:t>
             </a:fld>
             <a:endParaRPr lang="pt-BR"/>
           </a:p>
@@ -3276,7 +3276,7 @@
           <a:p>
             <a:fld id="{E3BCEED8-149E-406E-B91A-7F4F3B181D0A}" type="datetimeFigureOut">
               <a:rPr lang="pt-BR" smtClean="0"/>
-              <a:t>05/11/2023</a:t>
+              <a:t>08/11/2023</a:t>
             </a:fld>
             <a:endParaRPr lang="pt-BR"/>
           </a:p>
@@ -9136,10 +9136,7 @@
             <a:avLst/>
           </a:prstGeom>
           <a:solidFill>
-            <a:schemeClr val="tx1">
-              <a:lumMod val="75000"/>
-              <a:lumOff val="25000"/>
-            </a:schemeClr>
+            <a:srgbClr val="2E4650"/>
           </a:solidFill>
         </p:spPr>
         <p:txBody>
@@ -10295,10 +10292,7 @@
             <a:avLst/>
           </a:prstGeom>
           <a:solidFill>
-            <a:schemeClr val="tx1">
-              <a:lumMod val="75000"/>
-              <a:lumOff val="25000"/>
-            </a:schemeClr>
+            <a:srgbClr val="2E4650"/>
           </a:solidFill>
         </p:spPr>
         <p:txBody>
